--- a/NTSB_Aviation_Analysis_Presentation.pptx
+++ b/NTSB_Aviation_Analysis_Presentation.pptx
@@ -137,6 +137,9 @@
           </p14:sldIdLst>
         </p14:section>
       </p14:sectionLst>
+    </p:ext>
+    <p:ext uri="{EFAFB233-063F-42B5-8137-9DF3F51BA10A}">
+      <p15:sldGuideLst xmlns:p15="http://schemas.microsoft.com/office/powerpoint/2012/main"/>
     </p:ext>
   </p:extLst>
 </p:presentation>
@@ -6972,8 +6975,8 @@
         </p:blipFill>
         <p:spPr>
           <a:xfrm>
-            <a:off x="999744" y="1162025"/>
-            <a:ext cx="4995351" cy="5259870"/>
+            <a:off x="1072183" y="1162025"/>
+            <a:ext cx="4850472" cy="5259870"/>
           </a:xfrm>
         </p:spPr>
       </p:pic>
